--- a/Präsentationsfolien/Tag05_SAPUI5-Fiori_DE.pptx
+++ b/Präsentationsfolien/Tag05_SAPUI5-Fiori_DE.pptx
@@ -234,7 +234,7 @@
           <a:p>
             <a:fld id="{8ED8D8E7-E4ED-C44E-8758-E77C2E550289}" type="datetimeFigureOut">
               <a:rPr lang="de-DE" smtClean="0"/>
-              <a:t>12.12.2024</a:t>
+              <a:t>19.02.2025</a:t>
             </a:fld>
             <a:endParaRPr lang="de-DE"/>
           </a:p>
@@ -4080,7 +4080,7 @@
           <a:p>
             <a:fld id="{6D5CDF9B-D398-4250-A5D8-5FB8CF89A66D}" type="datetimeFigureOut">
               <a:rPr lang="de-DE" smtClean="0"/>
-              <a:t>12.12.2024</a:t>
+              <a:t>19.02.2025</a:t>
             </a:fld>
             <a:endParaRPr lang="de-DE"/>
           </a:p>
@@ -4278,7 +4278,7 @@
           <a:p>
             <a:fld id="{6D5CDF9B-D398-4250-A5D8-5FB8CF89A66D}" type="datetimeFigureOut">
               <a:rPr lang="de-DE" smtClean="0"/>
-              <a:t>12.12.2024</a:t>
+              <a:t>19.02.2025</a:t>
             </a:fld>
             <a:endParaRPr lang="de-DE"/>
           </a:p>
@@ -4486,7 +4486,7 @@
           <a:p>
             <a:fld id="{6D5CDF9B-D398-4250-A5D8-5FB8CF89A66D}" type="datetimeFigureOut">
               <a:rPr lang="de-DE" smtClean="0"/>
-              <a:t>12.12.2024</a:t>
+              <a:t>19.02.2025</a:t>
             </a:fld>
             <a:endParaRPr lang="de-DE"/>
           </a:p>
@@ -4684,7 +4684,7 @@
           <a:p>
             <a:fld id="{6D5CDF9B-D398-4250-A5D8-5FB8CF89A66D}" type="datetimeFigureOut">
               <a:rPr lang="de-DE" smtClean="0"/>
-              <a:t>12.12.2024</a:t>
+              <a:t>19.02.2025</a:t>
             </a:fld>
             <a:endParaRPr lang="de-DE"/>
           </a:p>
@@ -4959,7 +4959,7 @@
           <a:p>
             <a:fld id="{6D5CDF9B-D398-4250-A5D8-5FB8CF89A66D}" type="datetimeFigureOut">
               <a:rPr lang="de-DE" smtClean="0"/>
-              <a:t>12.12.2024</a:t>
+              <a:t>19.02.2025</a:t>
             </a:fld>
             <a:endParaRPr lang="de-DE"/>
           </a:p>
@@ -5224,7 +5224,7 @@
           <a:p>
             <a:fld id="{6D5CDF9B-D398-4250-A5D8-5FB8CF89A66D}" type="datetimeFigureOut">
               <a:rPr lang="de-DE" smtClean="0"/>
-              <a:t>12.12.2024</a:t>
+              <a:t>19.02.2025</a:t>
             </a:fld>
             <a:endParaRPr lang="de-DE"/>
           </a:p>
@@ -5636,7 +5636,7 @@
           <a:p>
             <a:fld id="{6D5CDF9B-D398-4250-A5D8-5FB8CF89A66D}" type="datetimeFigureOut">
               <a:rPr lang="de-DE" smtClean="0"/>
-              <a:t>12.12.2024</a:t>
+              <a:t>19.02.2025</a:t>
             </a:fld>
             <a:endParaRPr lang="de-DE"/>
           </a:p>
@@ -5777,7 +5777,7 @@
           <a:p>
             <a:fld id="{6D5CDF9B-D398-4250-A5D8-5FB8CF89A66D}" type="datetimeFigureOut">
               <a:rPr lang="de-DE" smtClean="0"/>
-              <a:t>12.12.2024</a:t>
+              <a:t>19.02.2025</a:t>
             </a:fld>
             <a:endParaRPr lang="de-DE"/>
           </a:p>
@@ -5890,7 +5890,7 @@
           <a:p>
             <a:fld id="{6D5CDF9B-D398-4250-A5D8-5FB8CF89A66D}" type="datetimeFigureOut">
               <a:rPr lang="de-DE" smtClean="0"/>
-              <a:t>12.12.2024</a:t>
+              <a:t>19.02.2025</a:t>
             </a:fld>
             <a:endParaRPr lang="de-DE"/>
           </a:p>
@@ -6201,7 +6201,7 @@
           <a:p>
             <a:fld id="{6D5CDF9B-D398-4250-A5D8-5FB8CF89A66D}" type="datetimeFigureOut">
               <a:rPr lang="de-DE" smtClean="0"/>
-              <a:t>12.12.2024</a:t>
+              <a:t>19.02.2025</a:t>
             </a:fld>
             <a:endParaRPr lang="de-DE"/>
           </a:p>
@@ -6489,7 +6489,7 @@
           <a:p>
             <a:fld id="{6D5CDF9B-D398-4250-A5D8-5FB8CF89A66D}" type="datetimeFigureOut">
               <a:rPr lang="de-DE" smtClean="0"/>
-              <a:t>12.12.2024</a:t>
+              <a:t>19.02.2025</a:t>
             </a:fld>
             <a:endParaRPr lang="de-DE"/>
           </a:p>
@@ -6730,7 +6730,7 @@
           <a:p>
             <a:fld id="{6D5CDF9B-D398-4250-A5D8-5FB8CF89A66D}" type="datetimeFigureOut">
               <a:rPr lang="de-DE" smtClean="0"/>
-              <a:t>12.12.2024</a:t>
+              <a:t>19.02.2025</a:t>
             </a:fld>
             <a:endParaRPr lang="de-DE"/>
           </a:p>
@@ -10495,7 +10495,7 @@
             <a:pPr algn="l"/>
             <a:r>
               <a:rPr lang="de-DE" sz="4400" dirty="0"/>
-              <a:t>SAPUI5 Debugging</a:t>
+              <a:t>SAPUI5 Tools und Debugging</a:t>
             </a:r>
           </a:p>
         </p:txBody>
@@ -10530,12 +10530,8 @@
           <a:p>
             <a:pPr algn="l"/>
             <a:r>
-              <a:rPr lang="de-DE"/>
-              <a:t>Welche Möglichkeiten </a:t>
-            </a:r>
-            <a:r>
               <a:rPr lang="de-DE" dirty="0"/>
-              <a:t>gibt es?</a:t>
+              <a:t>Welche Tools und Debugging Möglichkeiten gibt es?</a:t>
             </a:r>
           </a:p>
         </p:txBody>
